--- a/ejemplos_presentacion/styles/template_pptx.pptx
+++ b/ejemplos_presentacion/styles/template_pptx.pptx
@@ -113,6 +113,9 @@
     <p:ext uri="{EFAFB233-063F-42B5-8137-9DF3F51BA10A}">
       <p15:sldGuideLst xmlns:p15="http://schemas.microsoft.com/office/powerpoint/2012/main"/>
     </p:ext>
+    <p:ext uri="{2D200454-40CA-4A62-9FC3-DE9A4176ACB9}">
+      <p15:notesGuideLst xmlns:p15="http://schemas.microsoft.com/office/powerpoint/2012/main"/>
+    </p:ext>
   </p:extLst>
 </p:presentation>
 </file>
@@ -199,7 +202,7 @@
           <a:p>
             <a:fld id="{06B27059-AC31-4C15-A274-E0D6EB207E9F}" type="datetimeFigureOut">
               <a:rPr lang="es-CL" smtClean="0"/>
-              <a:t>20-08-2025</a:t>
+              <a:t>25-08-2025</a:t>
             </a:fld>
             <a:endParaRPr lang="es-CL"/>
           </a:p>
@@ -301,124 +304,51 @@
       </p:grpSpPr>
       <p:sp>
         <p:nvSpPr>
-          <p:cNvPr id="3" name="Marcador de texto 2"/>
-          <p:cNvSpPr>
-            <a:spLocks noGrp="1"/>
-          </p:cNvSpPr>
-          <p:nvPr>
-            <p:ph type="body" idx="1"/>
+          <p:cNvPr id="6" name="Título 5"/>
+          <p:cNvSpPr>
+            <a:spLocks noGrp="1"/>
+          </p:cNvSpPr>
+          <p:nvPr>
+            <p:ph type="title"/>
           </p:nvPr>
         </p:nvSpPr>
         <p:spPr>
           <a:xfrm>
-            <a:off x="831850" y="4589463"/>
-            <a:ext cx="11038876" cy="880461"/>
+            <a:off x="535459" y="3822842"/>
+            <a:ext cx="11121081" cy="1170499"/>
           </a:xfrm>
         </p:spPr>
         <p:txBody>
-          <a:bodyPr/>
+          <a:bodyPr>
+            <a:noAutofit/>
+          </a:bodyPr>
           <a:lstStyle>
-            <a:lvl1pPr marL="0" indent="0" algn="ctr">
-              <a:buNone/>
-              <a:defRPr sz="2400">
+            <a:lvl1pPr algn="ctr">
+              <a:defRPr sz="4400">
                 <a:solidFill>
                   <a:schemeClr val="tx1"/>
                 </a:solidFill>
               </a:defRPr>
             </a:lvl1pPr>
-            <a:lvl2pPr marL="457200" indent="0">
-              <a:buNone/>
-              <a:defRPr sz="2000">
-                <a:solidFill>
-                  <a:schemeClr val="tx1">
-                    <a:tint val="75000"/>
-                  </a:schemeClr>
-                </a:solidFill>
-              </a:defRPr>
-            </a:lvl2pPr>
-            <a:lvl3pPr marL="914400" indent="0">
-              <a:buNone/>
-              <a:defRPr sz="1800">
-                <a:solidFill>
-                  <a:schemeClr val="tx1">
-                    <a:tint val="75000"/>
-                  </a:schemeClr>
-                </a:solidFill>
-              </a:defRPr>
-            </a:lvl3pPr>
-            <a:lvl4pPr marL="1371600" indent="0">
-              <a:buNone/>
-              <a:defRPr sz="1600">
-                <a:solidFill>
-                  <a:schemeClr val="tx1">
-                    <a:tint val="75000"/>
-                  </a:schemeClr>
-                </a:solidFill>
-              </a:defRPr>
-            </a:lvl4pPr>
-            <a:lvl5pPr marL="1828800" indent="0">
-              <a:buNone/>
-              <a:defRPr sz="1600">
-                <a:solidFill>
-                  <a:schemeClr val="tx1">
-                    <a:tint val="75000"/>
-                  </a:schemeClr>
-                </a:solidFill>
-              </a:defRPr>
-            </a:lvl5pPr>
-            <a:lvl6pPr marL="2286000" indent="0">
-              <a:buNone/>
-              <a:defRPr sz="1600">
-                <a:solidFill>
-                  <a:schemeClr val="tx1">
-                    <a:tint val="75000"/>
-                  </a:schemeClr>
-                </a:solidFill>
-              </a:defRPr>
-            </a:lvl6pPr>
-            <a:lvl7pPr marL="2743200" indent="0">
-              <a:buNone/>
-              <a:defRPr sz="1600">
-                <a:solidFill>
-                  <a:schemeClr val="tx1">
-                    <a:tint val="75000"/>
-                  </a:schemeClr>
-                </a:solidFill>
-              </a:defRPr>
-            </a:lvl7pPr>
-            <a:lvl8pPr marL="3200400" indent="0">
-              <a:buNone/>
-              <a:defRPr sz="1600">
-                <a:solidFill>
-                  <a:schemeClr val="tx1">
-                    <a:tint val="75000"/>
-                  </a:schemeClr>
-                </a:solidFill>
-              </a:defRPr>
-            </a:lvl8pPr>
-            <a:lvl9pPr marL="3657600" indent="0">
-              <a:buNone/>
-              <a:defRPr sz="1600">
-                <a:solidFill>
-                  <a:schemeClr val="tx1">
-                    <a:tint val="75000"/>
-                  </a:schemeClr>
-                </a:solidFill>
-              </a:defRPr>
-            </a:lvl9pPr>
           </a:lstStyle>
           <a:p>
-            <a:pPr lvl="0"/>
-            <a:r>
-              <a:rPr lang="es-ES" dirty="0" smtClean="0"/>
-              <a:t>Editar el estilo de texto del patrón</a:t>
-            </a:r>
+            <a:r>
+              <a:rPr lang="es-ES" dirty="0"/>
+              <a:t>Haga clic para modificar el estilo de título del patrón</a:t>
+            </a:r>
+            <a:endParaRPr lang="es-CL" dirty="0"/>
           </a:p>
         </p:txBody>
       </p:sp>
       <p:pic>
         <p:nvPicPr>
-          <p:cNvPr id="7" name="Imagen 6"/>
+          <p:cNvPr id="2" name="Imagen 1">
+            <a:extLst>
+              <a:ext uri="{FF2B5EF4-FFF2-40B4-BE49-F238E27FC236}">
+                <a16:creationId xmlns:a16="http://schemas.microsoft.com/office/drawing/2014/main" id="{6EB162B6-7E48-6512-2515-7FAC7910A18B}"/>
+              </a:ext>
+            </a:extLst>
+          </p:cNvPr>
           <p:cNvPicPr>
             <a:picLocks noChangeAspect="1"/>
           </p:cNvPicPr>
@@ -438,7 +368,7 @@
         </p:blipFill>
         <p:spPr>
           <a:xfrm>
-            <a:off x="5454118" y="1453978"/>
+            <a:off x="5198829" y="1611325"/>
             <a:ext cx="1794339" cy="1787610"/>
           </a:xfrm>
           <a:prstGeom prst="rect">
@@ -448,59 +378,53 @@
       </p:pic>
       <p:sp>
         <p:nvSpPr>
-          <p:cNvPr id="4" name="Título 3"/>
-          <p:cNvSpPr>
-            <a:spLocks noGrp="1"/>
-          </p:cNvSpPr>
-          <p:nvPr>
-            <p:ph type="title"/>
+          <p:cNvPr id="5" name="Marcador de texto 4">
+            <a:extLst>
+              <a:ext uri="{FF2B5EF4-FFF2-40B4-BE49-F238E27FC236}">
+                <a16:creationId xmlns:a16="http://schemas.microsoft.com/office/drawing/2014/main" id="{A3B4C287-09FE-DC1B-2503-AAD232D5E50E}"/>
+              </a:ext>
+            </a:extLst>
+          </p:cNvPr>
+          <p:cNvSpPr>
+            <a:spLocks noGrp="1"/>
+          </p:cNvSpPr>
+          <p:nvPr>
+            <p:ph type="body" sz="quarter" idx="10"/>
           </p:nvPr>
         </p:nvSpPr>
         <p:spPr>
           <a:xfrm>
-            <a:off x="749645" y="3419145"/>
-            <a:ext cx="11121081" cy="1112653"/>
+            <a:off x="1452282" y="5253038"/>
+            <a:ext cx="9717742" cy="914400"/>
           </a:xfrm>
         </p:spPr>
         <p:txBody>
-          <a:bodyPr>
-            <a:noAutofit/>
-          </a:bodyPr>
+          <a:bodyPr/>
           <a:lstStyle>
-            <a:lvl1pPr algn="ctr">
-              <a:defRPr sz="4800">
-                <a:solidFill>
-                  <a:schemeClr val="tx1"/>
-                </a:solidFill>
-              </a:defRPr>
-            </a:lvl1pPr>
+            <a:lvl2pPr marL="457200" indent="0">
+              <a:buNone/>
+              <a:defRPr/>
+            </a:lvl2pPr>
           </a:lstStyle>
           <a:p>
-            <a:r>
-              <a:rPr lang="es-ES" dirty="0" smtClean="0"/>
-              <a:t>Haga clic para modificar el estilo de título del patrón</a:t>
-            </a:r>
-            <a:endParaRPr lang="es-CL" dirty="0"/>
+            <a:pPr lvl="0"/>
+            <a:r>
+              <a:rPr lang="es-ES" dirty="0"/>
+              <a:t>Haga clic para modificar los estilos de texto del patrón</a:t>
+            </a:r>
           </a:p>
         </p:txBody>
       </p:sp>
     </p:spTree>
     <p:extLst>
       <p:ext uri="{BB962C8B-B14F-4D97-AF65-F5344CB8AC3E}">
-        <p14:creationId xmlns:p14="http://schemas.microsoft.com/office/powerpoint/2010/main" val="211698886"/>
+        <p14:creationId xmlns:p14="http://schemas.microsoft.com/office/powerpoint/2010/main" val="858901415"/>
       </p:ext>
     </p:extLst>
   </p:cSld>
   <p:clrMapOvr>
     <a:masterClrMapping/>
   </p:clrMapOvr>
-  <p:timing>
-    <p:tnLst>
-      <p:par>
-        <p:cTn id="1" dur="indefinite" restart="never" nodeType="tmRoot"/>
-      </p:par>
-    </p:tnLst>
-  </p:timing>
 </p:sldLayout>
 </file>
 
@@ -537,7 +461,7 @@
           <a:lstStyle/>
           <a:p>
             <a:r>
-              <a:rPr lang="es-ES" dirty="0" smtClean="0"/>
+              <a:rPr lang="es-ES" dirty="0"/>
               <a:t>Haga clic para modificar el estilo de título del patrón</a:t>
             </a:r>
             <a:endParaRPr lang="es-CL" dirty="0"/>
@@ -561,35 +485,35 @@
           <a:p>
             <a:pPr lvl="0"/>
             <a:r>
-              <a:rPr lang="es-ES" smtClean="0"/>
+              <a:rPr lang="es-ES"/>
               <a:t>Editar el estilo de texto del patrón</a:t>
             </a:r>
           </a:p>
           <a:p>
             <a:pPr lvl="1"/>
             <a:r>
-              <a:rPr lang="es-ES" smtClean="0"/>
+              <a:rPr lang="es-ES"/>
               <a:t>Segundo nivel</a:t>
             </a:r>
           </a:p>
           <a:p>
             <a:pPr lvl="2"/>
             <a:r>
-              <a:rPr lang="es-ES" smtClean="0"/>
+              <a:rPr lang="es-ES"/>
               <a:t>Tercer nivel</a:t>
             </a:r>
           </a:p>
           <a:p>
             <a:pPr lvl="3"/>
             <a:r>
-              <a:rPr lang="es-ES" smtClean="0"/>
+              <a:rPr lang="es-ES"/>
               <a:t>Cuarto nivel</a:t>
             </a:r>
           </a:p>
           <a:p>
             <a:pPr lvl="4"/>
             <a:r>
-              <a:rPr lang="es-ES" smtClean="0"/>
+              <a:rPr lang="es-ES"/>
               <a:t>Quinto nivel</a:t>
             </a:r>
             <a:endParaRPr lang="es-CL"/>
@@ -606,14 +530,22 @@
             <p:ph type="dt" sz="half" idx="10"/>
           </p:nvPr>
         </p:nvSpPr>
-        <p:spPr/>
+        <p:spPr>
+          <a:xfrm>
+            <a:off x="838200" y="6356350"/>
+            <a:ext cx="2743200" cy="365125"/>
+          </a:xfrm>
+          <a:prstGeom prst="rect">
+            <a:avLst/>
+          </a:prstGeom>
+        </p:spPr>
         <p:txBody>
           <a:bodyPr/>
           <a:lstStyle/>
           <a:p>
             <a:fld id="{BD470E04-8A50-4730-9A8E-8EE4C35BE882}" type="datetimeFigureOut">
               <a:rPr lang="es-CL" smtClean="0"/>
-              <a:t>20-08-2025</a:t>
+              <a:t>25-08-2025</a:t>
             </a:fld>
             <a:endParaRPr lang="es-CL"/>
           </a:p>
@@ -629,7 +561,15 @@
             <p:ph type="ftr" sz="quarter" idx="11"/>
           </p:nvPr>
         </p:nvSpPr>
-        <p:spPr/>
+        <p:spPr>
+          <a:xfrm>
+            <a:off x="4038600" y="6356350"/>
+            <a:ext cx="4114800" cy="365125"/>
+          </a:xfrm>
+          <a:prstGeom prst="rect">
+            <a:avLst/>
+          </a:prstGeom>
+        </p:spPr>
         <p:txBody>
           <a:bodyPr/>
           <a:lstStyle/>
@@ -648,7 +588,15 @@
             <p:ph type="sldNum" sz="quarter" idx="12"/>
           </p:nvPr>
         </p:nvSpPr>
-        <p:spPr/>
+        <p:spPr>
+          <a:xfrm>
+            <a:off x="8610600" y="6356350"/>
+            <a:ext cx="2743200" cy="365125"/>
+          </a:xfrm>
+          <a:prstGeom prst="rect">
+            <a:avLst/>
+          </a:prstGeom>
+        </p:spPr>
         <p:txBody>
           <a:bodyPr/>
           <a:lstStyle/>
@@ -671,13 +619,6 @@
   <p:clrMapOvr>
     <a:masterClrMapping/>
   </p:clrMapOvr>
-  <p:timing>
-    <p:tnLst>
-      <p:par>
-        <p:cTn id="1" dur="indefinite" restart="never" nodeType="tmRoot"/>
-      </p:par>
-    </p:tnLst>
-  </p:timing>
 </p:sldLayout>
 </file>
 
@@ -714,7 +655,7 @@
           <a:lstStyle/>
           <a:p>
             <a:r>
-              <a:rPr lang="es-ES" smtClean="0"/>
+              <a:rPr lang="es-ES"/>
               <a:t>Haga clic para modificar el estilo de título del patrón</a:t>
             </a:r>
             <a:endParaRPr lang="es-CL"/>
@@ -743,35 +684,35 @@
           <a:p>
             <a:pPr lvl="0"/>
             <a:r>
-              <a:rPr lang="es-ES" smtClean="0"/>
+              <a:rPr lang="es-ES"/>
               <a:t>Editar el estilo de texto del patrón</a:t>
             </a:r>
           </a:p>
           <a:p>
             <a:pPr lvl="1"/>
             <a:r>
-              <a:rPr lang="es-ES" smtClean="0"/>
+              <a:rPr lang="es-ES"/>
               <a:t>Segundo nivel</a:t>
             </a:r>
           </a:p>
           <a:p>
             <a:pPr lvl="2"/>
             <a:r>
-              <a:rPr lang="es-ES" smtClean="0"/>
+              <a:rPr lang="es-ES"/>
               <a:t>Tercer nivel</a:t>
             </a:r>
           </a:p>
           <a:p>
             <a:pPr lvl="3"/>
             <a:r>
-              <a:rPr lang="es-ES" smtClean="0"/>
+              <a:rPr lang="es-ES"/>
               <a:t>Cuarto nivel</a:t>
             </a:r>
           </a:p>
           <a:p>
             <a:pPr lvl="4"/>
             <a:r>
-              <a:rPr lang="es-ES" smtClean="0"/>
+              <a:rPr lang="es-ES"/>
               <a:t>Quinto nivel</a:t>
             </a:r>
             <a:endParaRPr lang="es-CL"/>
@@ -800,35 +741,35 @@
           <a:p>
             <a:pPr lvl="0"/>
             <a:r>
-              <a:rPr lang="es-ES" smtClean="0"/>
+              <a:rPr lang="es-ES"/>
               <a:t>Editar el estilo de texto del patrón</a:t>
             </a:r>
           </a:p>
           <a:p>
             <a:pPr lvl="1"/>
             <a:r>
-              <a:rPr lang="es-ES" smtClean="0"/>
+              <a:rPr lang="es-ES"/>
               <a:t>Segundo nivel</a:t>
             </a:r>
           </a:p>
           <a:p>
             <a:pPr lvl="2"/>
             <a:r>
-              <a:rPr lang="es-ES" smtClean="0"/>
+              <a:rPr lang="es-ES"/>
               <a:t>Tercer nivel</a:t>
             </a:r>
           </a:p>
           <a:p>
             <a:pPr lvl="3"/>
             <a:r>
-              <a:rPr lang="es-ES" smtClean="0"/>
+              <a:rPr lang="es-ES"/>
               <a:t>Cuarto nivel</a:t>
             </a:r>
           </a:p>
           <a:p>
             <a:pPr lvl="4"/>
             <a:r>
-              <a:rPr lang="es-ES" smtClean="0"/>
+              <a:rPr lang="es-ES"/>
               <a:t>Quinto nivel</a:t>
             </a:r>
             <a:endParaRPr lang="es-CL"/>
@@ -845,14 +786,22 @@
             <p:ph type="dt" sz="half" idx="10"/>
           </p:nvPr>
         </p:nvSpPr>
-        <p:spPr/>
+        <p:spPr>
+          <a:xfrm>
+            <a:off x="838200" y="6356350"/>
+            <a:ext cx="2743200" cy="365125"/>
+          </a:xfrm>
+          <a:prstGeom prst="rect">
+            <a:avLst/>
+          </a:prstGeom>
+        </p:spPr>
         <p:txBody>
           <a:bodyPr/>
           <a:lstStyle/>
           <a:p>
             <a:fld id="{BD470E04-8A50-4730-9A8E-8EE4C35BE882}" type="datetimeFigureOut">
               <a:rPr lang="es-CL" smtClean="0"/>
-              <a:t>20-08-2025</a:t>
+              <a:t>25-08-2025</a:t>
             </a:fld>
             <a:endParaRPr lang="es-CL"/>
           </a:p>
@@ -868,7 +817,15 @@
             <p:ph type="ftr" sz="quarter" idx="11"/>
           </p:nvPr>
         </p:nvSpPr>
-        <p:spPr/>
+        <p:spPr>
+          <a:xfrm>
+            <a:off x="4038600" y="6356350"/>
+            <a:ext cx="4114800" cy="365125"/>
+          </a:xfrm>
+          <a:prstGeom prst="rect">
+            <a:avLst/>
+          </a:prstGeom>
+        </p:spPr>
         <p:txBody>
           <a:bodyPr/>
           <a:lstStyle/>
@@ -887,7 +844,15 @@
             <p:ph type="sldNum" sz="quarter" idx="12"/>
           </p:nvPr>
         </p:nvSpPr>
-        <p:spPr/>
+        <p:spPr>
+          <a:xfrm>
+            <a:off x="8610600" y="6356350"/>
+            <a:ext cx="2743200" cy="365125"/>
+          </a:xfrm>
+          <a:prstGeom prst="rect">
+            <a:avLst/>
+          </a:prstGeom>
+        </p:spPr>
         <p:txBody>
           <a:bodyPr/>
           <a:lstStyle/>
@@ -910,82 +875,10 @@
   <p:clrMapOvr>
     <a:masterClrMapping/>
   </p:clrMapOvr>
-  <p:timing>
-    <p:tnLst>
-      <p:par>
-        <p:cTn id="1" dur="indefinite" restart="never" nodeType="tmRoot"/>
-      </p:par>
-    </p:tnLst>
-  </p:timing>
 </p:sldLayout>
 </file>
 
 <file path=ppt/slideLayouts/slideLayout4.xml><?xml version="1.0" encoding="utf-8"?>
-<p:sldLayout xmlns:a="http://schemas.openxmlformats.org/drawingml/2006/main" xmlns:r="http://schemas.openxmlformats.org/officeDocument/2006/relationships" xmlns:p="http://schemas.openxmlformats.org/presentationml/2006/main" preserve="1" userDrawn="1">
-  <p:cSld name="Solo el título">
-    <p:spTree>
-      <p:nvGrpSpPr>
-        <p:cNvPr id="1" name=""/>
-        <p:cNvGrpSpPr/>
-        <p:nvPr/>
-      </p:nvGrpSpPr>
-      <p:grpSpPr>
-        <a:xfrm>
-          <a:off x="0" y="0"/>
-          <a:ext cx="0" cy="0"/>
-          <a:chOff x="0" y="0"/>
-          <a:chExt cx="0" cy="0"/>
-        </a:xfrm>
-      </p:grpSpPr>
-      <p:sp>
-        <p:nvSpPr>
-          <p:cNvPr id="6" name="Título 5"/>
-          <p:cNvSpPr>
-            <a:spLocks noGrp="1"/>
-          </p:cNvSpPr>
-          <p:nvPr>
-            <p:ph type="title"/>
-          </p:nvPr>
-        </p:nvSpPr>
-        <p:spPr>
-          <a:xfrm>
-            <a:off x="0" y="57665"/>
-            <a:ext cx="11121081" cy="667265"/>
-          </a:xfrm>
-        </p:spPr>
-        <p:txBody>
-          <a:bodyPr/>
-          <a:lstStyle/>
-          <a:p>
-            <a:r>
-              <a:rPr lang="es-ES" dirty="0" smtClean="0"/>
-              <a:t>Haga clic para modificar el estilo de título del patrón</a:t>
-            </a:r>
-            <a:endParaRPr lang="es-CL" dirty="0"/>
-          </a:p>
-        </p:txBody>
-      </p:sp>
-    </p:spTree>
-    <p:extLst>
-      <p:ext uri="{BB962C8B-B14F-4D97-AF65-F5344CB8AC3E}">
-        <p14:creationId xmlns:p14="http://schemas.microsoft.com/office/powerpoint/2010/main" val="858901415"/>
-      </p:ext>
-    </p:extLst>
-  </p:cSld>
-  <p:clrMapOvr>
-    <a:masterClrMapping/>
-  </p:clrMapOvr>
-  <p:timing>
-    <p:tnLst>
-      <p:par>
-        <p:cTn id="1" dur="indefinite" restart="never" nodeType="tmRoot"/>
-      </p:par>
-    </p:tnLst>
-  </p:timing>
-</p:sldLayout>
-</file>
-
-<file path=ppt/slideLayouts/slideLayout5.xml><?xml version="1.0" encoding="utf-8"?>
 <p:sldLayout xmlns:a="http://schemas.openxmlformats.org/drawingml/2006/main" xmlns:r="http://schemas.openxmlformats.org/officeDocument/2006/relationships" xmlns:p="http://schemas.openxmlformats.org/presentationml/2006/main" type="twoTxTwoObj" preserve="1">
   <p:cSld name="Comparison">
     <p:spTree>
@@ -1031,7 +924,7 @@
           </a:lstStyle>
           <a:p>
             <a:r>
-              <a:rPr lang="es-ES" dirty="0" smtClean="0"/>
+              <a:rPr lang="es-ES" dirty="0"/>
               <a:t>Haga clic para modificar el estilo de título del patrón</a:t>
             </a:r>
             <a:endParaRPr lang="es-CL" dirty="0"/>
@@ -1097,7 +990,7 @@
           <a:p>
             <a:pPr lvl="0"/>
             <a:r>
-              <a:rPr lang="es-ES" smtClean="0"/>
+              <a:rPr lang="es-ES"/>
               <a:t>Editar el estilo de texto del patrón</a:t>
             </a:r>
           </a:p>
@@ -1125,35 +1018,35 @@
           <a:p>
             <a:pPr lvl="0"/>
             <a:r>
-              <a:rPr lang="es-ES" smtClean="0"/>
+              <a:rPr lang="es-ES"/>
               <a:t>Editar el estilo de texto del patrón</a:t>
             </a:r>
           </a:p>
           <a:p>
             <a:pPr lvl="1"/>
             <a:r>
-              <a:rPr lang="es-ES" smtClean="0"/>
+              <a:rPr lang="es-ES"/>
               <a:t>Segundo nivel</a:t>
             </a:r>
           </a:p>
           <a:p>
             <a:pPr lvl="2"/>
             <a:r>
-              <a:rPr lang="es-ES" smtClean="0"/>
+              <a:rPr lang="es-ES"/>
               <a:t>Tercer nivel</a:t>
             </a:r>
           </a:p>
           <a:p>
             <a:pPr lvl="3"/>
             <a:r>
-              <a:rPr lang="es-ES" smtClean="0"/>
+              <a:rPr lang="es-ES"/>
               <a:t>Cuarto nivel</a:t>
             </a:r>
           </a:p>
           <a:p>
             <a:pPr lvl="4"/>
             <a:r>
-              <a:rPr lang="es-ES" smtClean="0"/>
+              <a:rPr lang="es-ES"/>
               <a:t>Quinto nivel</a:t>
             </a:r>
             <a:endParaRPr lang="es-CL"/>
@@ -1219,7 +1112,7 @@
           <a:p>
             <a:pPr lvl="0"/>
             <a:r>
-              <a:rPr lang="es-ES" smtClean="0"/>
+              <a:rPr lang="es-ES"/>
               <a:t>Editar el estilo de texto del patrón</a:t>
             </a:r>
           </a:p>
@@ -1247,35 +1140,35 @@
           <a:p>
             <a:pPr lvl="0"/>
             <a:r>
-              <a:rPr lang="es-ES" smtClean="0"/>
+              <a:rPr lang="es-ES"/>
               <a:t>Editar el estilo de texto del patrón</a:t>
             </a:r>
           </a:p>
           <a:p>
             <a:pPr lvl="1"/>
             <a:r>
-              <a:rPr lang="es-ES" smtClean="0"/>
+              <a:rPr lang="es-ES"/>
               <a:t>Segundo nivel</a:t>
             </a:r>
           </a:p>
           <a:p>
             <a:pPr lvl="2"/>
             <a:r>
-              <a:rPr lang="es-ES" smtClean="0"/>
+              <a:rPr lang="es-ES"/>
               <a:t>Tercer nivel</a:t>
             </a:r>
           </a:p>
           <a:p>
             <a:pPr lvl="3"/>
             <a:r>
-              <a:rPr lang="es-ES" smtClean="0"/>
+              <a:rPr lang="es-ES"/>
               <a:t>Cuarto nivel</a:t>
             </a:r>
           </a:p>
           <a:p>
             <a:pPr lvl="4"/>
             <a:r>
-              <a:rPr lang="es-ES" smtClean="0"/>
+              <a:rPr lang="es-ES"/>
               <a:t>Quinto nivel</a:t>
             </a:r>
             <a:endParaRPr lang="es-CL"/>
@@ -1292,17 +1185,10 @@
   <p:clrMapOvr>
     <a:masterClrMapping/>
   </p:clrMapOvr>
-  <p:timing>
-    <p:tnLst>
-      <p:par>
-        <p:cTn id="1" dur="indefinite" restart="never" nodeType="tmRoot"/>
-      </p:par>
-    </p:tnLst>
-  </p:timing>
 </p:sldLayout>
 </file>
 
-<file path=ppt/slideLayouts/slideLayout6.xml><?xml version="1.0" encoding="utf-8"?>
+<file path=ppt/slideLayouts/slideLayout5.xml><?xml version="1.0" encoding="utf-8"?>
 <p:sldLayout xmlns:a="http://schemas.openxmlformats.org/drawingml/2006/main" xmlns:r="http://schemas.openxmlformats.org/officeDocument/2006/relationships" xmlns:p="http://schemas.openxmlformats.org/presentationml/2006/main" showMasterSp="0" type="blank" preserve="1">
   <p:cSld name="Blank">
     <p:spTree>
@@ -1329,13 +1215,6 @@
   <p:clrMapOvr>
     <a:masterClrMapping/>
   </p:clrMapOvr>
-  <p:timing>
-    <p:tnLst>
-      <p:par>
-        <p:cTn id="1" dur="indefinite" restart="never" nodeType="tmRoot"/>
-      </p:par>
-    </p:tnLst>
-  </p:timing>
 </p:sldLayout>
 </file>
 
@@ -1370,7 +1249,7 @@
           <p:nvPr userDrawn="1"/>
         </p:nvPicPr>
         <p:blipFill>
-          <a:blip r:embed="rId8">
+          <a:blip r:embed="rId7">
             <a:extLst>
               <a:ext uri="{28A0092B-C50C-407E-A947-70E740481C1C}">
                 <a14:useLocalDpi xmlns:a14="http://schemas.microsoft.com/office/drawing/2010/main" val="0"/>
@@ -1417,7 +1296,7 @@
           <a:lstStyle/>
           <a:p>
             <a:r>
-              <a:rPr lang="es-ES" dirty="0" smtClean="0"/>
+              <a:rPr lang="es-ES" dirty="0"/>
               <a:t>Haga clic para modificar el estilo de título del patrón</a:t>
             </a:r>
             <a:endParaRPr lang="es-CL" dirty="0"/>
@@ -1451,157 +1330,38 @@
           <a:p>
             <a:pPr lvl="0"/>
             <a:r>
-              <a:rPr lang="es-ES" dirty="0" smtClean="0"/>
+              <a:rPr lang="es-ES" dirty="0"/>
               <a:t>Editar el estilo de texto del patrón</a:t>
             </a:r>
           </a:p>
           <a:p>
             <a:pPr lvl="1"/>
             <a:r>
-              <a:rPr lang="es-ES" dirty="0" smtClean="0"/>
+              <a:rPr lang="es-ES" dirty="0"/>
               <a:t>Segundo nivel</a:t>
             </a:r>
           </a:p>
           <a:p>
             <a:pPr lvl="2"/>
             <a:r>
-              <a:rPr lang="es-ES" dirty="0" smtClean="0"/>
+              <a:rPr lang="es-ES" dirty="0"/>
               <a:t>Tercer nivel</a:t>
             </a:r>
           </a:p>
           <a:p>
             <a:pPr lvl="3"/>
             <a:r>
-              <a:rPr lang="es-ES" dirty="0" smtClean="0"/>
+              <a:rPr lang="es-ES" dirty="0"/>
               <a:t>Cuarto nivel</a:t>
             </a:r>
           </a:p>
           <a:p>
             <a:pPr lvl="4"/>
             <a:r>
-              <a:rPr lang="es-ES" dirty="0" smtClean="0"/>
+              <a:rPr lang="es-ES" dirty="0"/>
               <a:t>Quinto nivel</a:t>
             </a:r>
             <a:endParaRPr lang="es-CL" dirty="0"/>
-          </a:p>
-        </p:txBody>
-      </p:sp>
-      <p:sp>
-        <p:nvSpPr>
-          <p:cNvPr id="4" name="Marcador de fecha 3"/>
-          <p:cNvSpPr>
-            <a:spLocks noGrp="1"/>
-          </p:cNvSpPr>
-          <p:nvPr>
-            <p:ph type="dt" sz="half" idx="2"/>
-          </p:nvPr>
-        </p:nvSpPr>
-        <p:spPr>
-          <a:xfrm>
-            <a:off x="838200" y="6356350"/>
-            <a:ext cx="2743200" cy="365125"/>
-          </a:xfrm>
-          <a:prstGeom prst="rect">
-            <a:avLst/>
-          </a:prstGeom>
-        </p:spPr>
-        <p:txBody>
-          <a:bodyPr vert="horz" lIns="91440" tIns="45720" rIns="91440" bIns="45720" rtlCol="0" anchor="ctr"/>
-          <a:lstStyle>
-            <a:lvl1pPr algn="l">
-              <a:defRPr sz="1200">
-                <a:solidFill>
-                  <a:schemeClr val="tx1">
-                    <a:tint val="75000"/>
-                  </a:schemeClr>
-                </a:solidFill>
-              </a:defRPr>
-            </a:lvl1pPr>
-          </a:lstStyle>
-          <a:p>
-            <a:fld id="{BD470E04-8A50-4730-9A8E-8EE4C35BE882}" type="datetimeFigureOut">
-              <a:rPr lang="es-CL" smtClean="0"/>
-              <a:t>20-08-2025</a:t>
-            </a:fld>
-            <a:endParaRPr lang="es-CL"/>
-          </a:p>
-        </p:txBody>
-      </p:sp>
-      <p:sp>
-        <p:nvSpPr>
-          <p:cNvPr id="5" name="Marcador de pie de página 4"/>
-          <p:cNvSpPr>
-            <a:spLocks noGrp="1"/>
-          </p:cNvSpPr>
-          <p:nvPr>
-            <p:ph type="ftr" sz="quarter" idx="3"/>
-          </p:nvPr>
-        </p:nvSpPr>
-        <p:spPr>
-          <a:xfrm>
-            <a:off x="4038600" y="6356350"/>
-            <a:ext cx="4114800" cy="365125"/>
-          </a:xfrm>
-          <a:prstGeom prst="rect">
-            <a:avLst/>
-          </a:prstGeom>
-        </p:spPr>
-        <p:txBody>
-          <a:bodyPr vert="horz" lIns="91440" tIns="45720" rIns="91440" bIns="45720" rtlCol="0" anchor="ctr"/>
-          <a:lstStyle>
-            <a:lvl1pPr algn="ctr">
-              <a:defRPr sz="1200">
-                <a:solidFill>
-                  <a:schemeClr val="tx1">
-                    <a:tint val="75000"/>
-                  </a:schemeClr>
-                </a:solidFill>
-              </a:defRPr>
-            </a:lvl1pPr>
-          </a:lstStyle>
-          <a:p>
-            <a:endParaRPr lang="es-CL"/>
-          </a:p>
-        </p:txBody>
-      </p:sp>
-      <p:sp>
-        <p:nvSpPr>
-          <p:cNvPr id="6" name="Marcador de número de diapositiva 5"/>
-          <p:cNvSpPr>
-            <a:spLocks noGrp="1"/>
-          </p:cNvSpPr>
-          <p:nvPr>
-            <p:ph type="sldNum" sz="quarter" idx="4"/>
-          </p:nvPr>
-        </p:nvSpPr>
-        <p:spPr>
-          <a:xfrm>
-            <a:off x="8610600" y="6356350"/>
-            <a:ext cx="2743200" cy="365125"/>
-          </a:xfrm>
-          <a:prstGeom prst="rect">
-            <a:avLst/>
-          </a:prstGeom>
-        </p:spPr>
-        <p:txBody>
-          <a:bodyPr vert="horz" lIns="91440" tIns="45720" rIns="91440" bIns="45720" rtlCol="0" anchor="ctr"/>
-          <a:lstStyle>
-            <a:lvl1pPr algn="r">
-              <a:defRPr sz="1200">
-                <a:solidFill>
-                  <a:schemeClr val="tx1">
-                    <a:tint val="75000"/>
-                  </a:schemeClr>
-                </a:solidFill>
-              </a:defRPr>
-            </a:lvl1pPr>
-          </a:lstStyle>
-          <a:p>
-            <a:fld id="{E58CEF6E-85B9-45B1-B214-13609C205D75}" type="slidenum">
-              <a:rPr lang="es-CL" smtClean="0"/>
-              <a:t>‹Nº›</a:t>
-            </a:fld>
-            <a:endParaRPr lang="es-CL"/>
           </a:p>
         </p:txBody>
       </p:sp>
@@ -1614,7 +1374,7 @@
           <p:nvPr userDrawn="1"/>
         </p:nvPicPr>
         <p:blipFill>
-          <a:blip r:embed="rId9" cstate="print">
+          <a:blip r:embed="rId8" cstate="print">
             <a:extLst>
               <a:ext uri="{28A0092B-C50C-407E-A947-70E740481C1C}">
                 <a14:useLocalDpi xmlns:a14="http://schemas.microsoft.com/office/drawing/2010/main" val="0"/>
@@ -1644,20 +1404,12 @@
   </p:cSld>
   <p:clrMap bg1="lt1" tx1="dk1" bg2="lt2" tx2="dk2" accent1="accent1" accent2="accent2" accent3="accent3" accent4="accent4" accent5="accent5" accent6="accent6" hlink="hlink" folHlink="folHlink"/>
   <p:sldLayoutIdLst>
-    <p:sldLayoutId id="2147483651" r:id="rId1"/>
+    <p:sldLayoutId id="2147483654" r:id="rId1"/>
     <p:sldLayoutId id="2147483650" r:id="rId2"/>
     <p:sldLayoutId id="2147483652" r:id="rId3"/>
-    <p:sldLayoutId id="2147483654" r:id="rId4"/>
-    <p:sldLayoutId id="2147483661" r:id="rId5"/>
-    <p:sldLayoutId id="2147483655" r:id="rId6"/>
+    <p:sldLayoutId id="2147483661" r:id="rId4"/>
+    <p:sldLayoutId id="2147483655" r:id="rId5"/>
   </p:sldLayoutIdLst>
-  <p:timing>
-    <p:tnLst>
-      <p:par>
-        <p:cTn id="1" dur="indefinite" restart="never" nodeType="tmRoot"/>
-      </p:par>
-    </p:tnLst>
-  </p:timing>
   <p:txStyles>
     <p:titleStyle>
       <a:lvl1pPr algn="l" defTabSz="914400" rtl="0" eaLnBrk="1" latinLnBrk="0" hangingPunct="1">
@@ -1960,39 +1712,51 @@
       </p:grpSpPr>
       <p:sp>
         <p:nvSpPr>
-          <p:cNvPr id="2" name="Título 1"/>
+          <p:cNvPr id="2" name="Título 1">
+            <a:extLst>
+              <a:ext uri="{FF2B5EF4-FFF2-40B4-BE49-F238E27FC236}">
+                <a16:creationId xmlns:a16="http://schemas.microsoft.com/office/drawing/2014/main" id="{AED112A0-AFB8-41A1-05F5-5AD596E82218}"/>
+              </a:ext>
+            </a:extLst>
+          </p:cNvPr>
           <p:cNvSpPr>
             <a:spLocks noGrp="1"/>
           </p:cNvSpPr>
           <p:nvPr>
             <p:ph type="title"/>
+          </p:nvPr>
+        </p:nvSpPr>
+        <p:spPr/>
+        <p:txBody>
+          <a:bodyPr/>
+          <a:lstStyle/>
+          <a:p>
+            <a:endParaRPr lang="es-CL"/>
+          </a:p>
+        </p:txBody>
+      </p:sp>
+      <p:sp>
+        <p:nvSpPr>
+          <p:cNvPr id="3" name="Marcador de texto 2">
+            <a:extLst>
+              <a:ext uri="{FF2B5EF4-FFF2-40B4-BE49-F238E27FC236}">
+                <a16:creationId xmlns:a16="http://schemas.microsoft.com/office/drawing/2014/main" id="{E04327D4-FA11-9119-B637-40D4159575F9}"/>
+              </a:ext>
+            </a:extLst>
+          </p:cNvPr>
+          <p:cNvSpPr>
+            <a:spLocks noGrp="1"/>
+          </p:cNvSpPr>
+          <p:nvPr>
+            <p:ph type="body" idx="4294967295"/>
           </p:nvPr>
         </p:nvSpPr>
         <p:spPr>
           <a:xfrm>
-            <a:off x="831850" y="3064475"/>
-            <a:ext cx="10515600" cy="1497999"/>
+            <a:off x="858744" y="5246675"/>
+            <a:ext cx="11038876" cy="492190"/>
           </a:xfrm>
         </p:spPr>
-        <p:txBody>
-          <a:bodyPr/>
-          <a:lstStyle/>
-          <a:p>
-            <a:endParaRPr lang="es-CL" dirty="0"/>
-          </a:p>
-        </p:txBody>
-      </p:sp>
-      <p:sp>
-        <p:nvSpPr>
-          <p:cNvPr id="3" name="Marcador de texto 2"/>
-          <p:cNvSpPr>
-            <a:spLocks noGrp="1"/>
-          </p:cNvSpPr>
-          <p:nvPr>
-            <p:ph type="body" idx="1"/>
-          </p:nvPr>
-        </p:nvSpPr>
-        <p:spPr/>
         <p:txBody>
           <a:bodyPr/>
           <a:lstStyle/>
@@ -2004,7 +1768,7 @@
     </p:spTree>
     <p:extLst>
       <p:ext uri="{BB962C8B-B14F-4D97-AF65-F5344CB8AC3E}">
-        <p14:creationId xmlns:p14="http://schemas.microsoft.com/office/powerpoint/2010/main" val="3277756480"/>
+        <p14:creationId xmlns:p14="http://schemas.microsoft.com/office/powerpoint/2010/main" val="1370366943"/>
       </p:ext>
     </p:extLst>
   </p:cSld>
@@ -2079,13 +1843,6 @@
   <p:clrMapOvr>
     <a:masterClrMapping/>
   </p:clrMapOvr>
-  <p:timing>
-    <p:tnLst>
-      <p:par>
-        <p:cTn id="1" dur="indefinite" restart="never" nodeType="tmRoot"/>
-      </p:par>
-    </p:tnLst>
-  </p:timing>
 </p:sld>
 </file>
 
@@ -2173,13 +1930,6 @@
   <p:clrMapOvr>
     <a:masterClrMapping/>
   </p:clrMapOvr>
-  <p:timing>
-    <p:tnLst>
-      <p:par>
-        <p:cTn id="1" dur="indefinite" restart="never" nodeType="tmRoot"/>
-      </p:par>
-    </p:tnLst>
-  </p:timing>
 </p:sld>
 </file>
 
